--- a/Documentation/ESE team1.pptx
+++ b/Documentation/ESE team1.pptx
@@ -6872,7 +6872,7 @@
           </a:effectLst>
           <a:extLst>
             <a:ext uri="{53640926-AAD7-44d8-BBD7-CCE9431645EC}">
-              <a14:shadowObscured xmlns="" xmlns:wpc="http://schemas.microsoft.com/office/word/2010/wordprocessingCanvas" xmlns:mo="http://schemas.microsoft.com/office/mac/office/2008/main" xmlns:mc="http://schemas.openxmlformats.org/markup-compatibility/2006" xmlns:mv="urn:schemas-microsoft-com:mac:vml" xmlns:o="urn:schemas-microsoft-com:office:office" xmlns:m="http://schemas.openxmlformats.org/officeDocument/2006/math" xmlns:v="urn:schemas-microsoft-com:vml" xmlns:wp14="http://schemas.microsoft.com/office/word/2010/wordprocessingDrawing" xmlns:wp="http://schemas.openxmlformats.org/drawingml/2006/wordprocessingDrawing" xmlns:w10="urn:schemas-microsoft-com:office:word" xmlns:w="http://schemas.openxmlformats.org/wordprocessingml/2006/main" xmlns:w14="http://schemas.microsoft.com/office/word/2010/wordml" xmlns:wpg="http://schemas.microsoft.com/office/word/2010/wordprocessingGroup" xmlns:wpi="http://schemas.microsoft.com/office/word/2010/wordprocessingInk" xmlns:wne="http://schemas.microsoft.com/office/word/2006/wordml" xmlns:wps="http://schemas.microsoft.com/office/word/2010/wordprocessingShape" xmlns:pic="http://schemas.openxmlformats.org/drawingml/2006/picture" xmlns:a14="http://schemas.microsoft.com/office/drawing/2010/main" xmlns:lc="http://schemas.openxmlformats.org/drawingml/2006/lockedCanvas"/>
+              <a14:shadowObscured xmlns:lc="http://schemas.openxmlformats.org/drawingml/2006/lockedCanvas" xmlns:a14="http://schemas.microsoft.com/office/drawing/2010/main" xmlns:pic="http://schemas.openxmlformats.org/drawingml/2006/picture" xmlns:wps="http://schemas.microsoft.com/office/word/2010/wordprocessingShape" xmlns:wne="http://schemas.microsoft.com/office/word/2006/wordml" xmlns:wpi="http://schemas.microsoft.com/office/word/2010/wordprocessingInk" xmlns:wpg="http://schemas.microsoft.com/office/word/2010/wordprocessingGroup" xmlns:w14="http://schemas.microsoft.com/office/word/2010/wordml" xmlns:w="http://schemas.openxmlformats.org/wordprocessingml/2006/main" xmlns:w10="urn:schemas-microsoft-com:office:word" xmlns:wp="http://schemas.openxmlformats.org/drawingml/2006/wordprocessingDrawing" xmlns:wp14="http://schemas.microsoft.com/office/word/2010/wordprocessingDrawing" xmlns:v="urn:schemas-microsoft-com:vml" xmlns:m="http://schemas.openxmlformats.org/officeDocument/2006/math" xmlns:o="urn:schemas-microsoft-com:office:office" xmlns:mv="urn:schemas-microsoft-com:mac:vml" xmlns:mc="http://schemas.openxmlformats.org/markup-compatibility/2006" xmlns:mo="http://schemas.microsoft.com/office/mac/office/2008/main" xmlns:wpc="http://schemas.microsoft.com/office/word/2010/wordprocessingCanvas" xmlns=""/>
             </a:ext>
           </a:extLst>
         </p:spPr>
@@ -7567,7 +7567,7 @@
                 <a:latin typeface="Arial"/>
                 <a:ea typeface="ＭＳ Ｐゴシック"/>
               </a:rPr>
-              <a:t>task</a:t>
+              <a:t>tasks</a:t>
             </a:r>
             <a:endParaRPr lang="de-DE" sz="2200" kern="0" dirty="0">
               <a:solidFill>
@@ -8136,7 +8136,7 @@
         <p:spPr bwMode="auto">
           <a:xfrm>
             <a:off x="250825" y="1844675"/>
-            <a:ext cx="6842125" cy="2746906"/>
+            <a:ext cx="6842125" cy="3544047"/>
           </a:xfrm>
           <a:prstGeom prst="rect">
             <a:avLst/>
@@ -8340,6 +8340,74 @@
                 <a:ea typeface="ＭＳ Ｐゴシック"/>
               </a:rPr>
               <a:t>outcome</a:t>
+            </a:r>
+            <a:endParaRPr lang="de-DE" sz="2200" kern="0" dirty="0">
+              <a:solidFill>
+                <a:srgbClr val="333333"/>
+              </a:solidFill>
+              <a:latin typeface="Arial"/>
+              <a:ea typeface="ＭＳ Ｐゴシック"/>
+            </a:endParaRPr>
+          </a:p>
+          <a:p>
+            <a:pPr marL="342900" lvl="0" indent="-342900" eaLnBrk="0" hangingPunct="0">
+              <a:lnSpc>
+                <a:spcPct val="95000"/>
+              </a:lnSpc>
+              <a:spcBef>
+                <a:spcPts val="550"/>
+              </a:spcBef>
+              <a:buClr>
+                <a:srgbClr val="000000"/>
+              </a:buClr>
+              <a:buSzPct val="100000"/>
+              <a:buFont typeface="Arial"/>
+              <a:buChar char="•"/>
+              <a:defRPr/>
+            </a:pPr>
+            <a:endParaRPr lang="de-DE" sz="2200" kern="0" dirty="0">
+              <a:solidFill>
+                <a:srgbClr val="333333"/>
+              </a:solidFill>
+              <a:latin typeface="Arial"/>
+              <a:ea typeface="ＭＳ Ｐゴシック"/>
+            </a:endParaRPr>
+          </a:p>
+          <a:p>
+            <a:pPr marL="342900" lvl="0" indent="-342900" eaLnBrk="0" hangingPunct="0">
+              <a:lnSpc>
+                <a:spcPct val="95000"/>
+              </a:lnSpc>
+              <a:spcBef>
+                <a:spcPts val="550"/>
+              </a:spcBef>
+              <a:buClr>
+                <a:srgbClr val="000000"/>
+              </a:buClr>
+              <a:buSzPct val="100000"/>
+              <a:buFont typeface="Arial"/>
+              <a:buChar char="•"/>
+              <a:defRPr/>
+            </a:pPr>
+            <a:r>
+              <a:rPr lang="de-DE" sz="2200" kern="0" dirty="0">
+                <a:solidFill>
+                  <a:srgbClr val="333333"/>
+                </a:solidFill>
+                <a:latin typeface="Arial"/>
+                <a:ea typeface="ＭＳ Ｐゴシック"/>
+              </a:rPr>
+              <a:t>Working end </a:t>
+            </a:r>
+            <a:r>
+              <a:rPr lang="de-DE" sz="2200" kern="0" dirty="0" err="1">
+                <a:solidFill>
+                  <a:srgbClr val="333333"/>
+                </a:solidFill>
+                <a:latin typeface="Arial"/>
+                <a:ea typeface="ＭＳ Ｐゴシック"/>
+              </a:rPr>
+              <a:t>product</a:t>
             </a:r>
             <a:endParaRPr lang="de-DE" sz="2200" kern="0" dirty="0">
               <a:solidFill>
@@ -8757,7 +8825,7 @@
         <a:effectLst/>
         <a:extLst>
           <a:ext uri="{AF507438-7753-43e0-B8FC-AC1667EBCBE1}">
-            <a14:hiddenEffects xmlns="" xmlns:a14="http://schemas.microsoft.com/office/drawing/2010/main">
+            <a14:hiddenEffects xmlns:a14="http://schemas.microsoft.com/office/drawing/2010/main" xmlns="">
               <a:effectLst>
                 <a:outerShdw blurRad="63500" dist="38099" dir="2700000" algn="ctr" rotWithShape="0">
                   <a:schemeClr val="bg2">
@@ -8836,7 +8904,7 @@
         <a:effectLst/>
         <a:extLst>
           <a:ext uri="{AF507438-7753-43e0-B8FC-AC1667EBCBE1}">
-            <a14:hiddenEffects xmlns="" xmlns:a14="http://schemas.microsoft.com/office/drawing/2010/main">
+            <a14:hiddenEffects xmlns:a14="http://schemas.microsoft.com/office/drawing/2010/main" xmlns="">
               <a:effectLst>
                 <a:outerShdw blurRad="63500" dist="38099" dir="2700000" algn="ctr" rotWithShape="0">
                   <a:schemeClr val="bg2">

--- a/Documentation/ESE team1.pptx
+++ b/Documentation/ESE team1.pptx
@@ -5,10 +5,10 @@
     <p:sldMasterId id="2147483649" r:id="rId1"/>
   </p:sldMasterIdLst>
   <p:notesMasterIdLst>
-    <p:notesMasterId r:id="rId7"/>
+    <p:notesMasterId r:id="rId8"/>
   </p:notesMasterIdLst>
   <p:handoutMasterIdLst>
-    <p:handoutMasterId r:id="rId8"/>
+    <p:handoutMasterId r:id="rId9"/>
   </p:handoutMasterIdLst>
   <p:sldIdLst>
     <p:sldId id="256" r:id="rId2"/>
@@ -16,6 +16,7 @@
     <p:sldId id="336" r:id="rId4"/>
     <p:sldId id="352" r:id="rId5"/>
     <p:sldId id="353" r:id="rId6"/>
+    <p:sldId id="354" r:id="rId7"/>
   </p:sldIdLst>
   <p:sldSz cx="9144000" cy="6858000" type="screen4x3"/>
   <p:notesSz cx="6858000" cy="9144000"/>
@@ -290,7 +291,7 @@
               <a:pPr>
                 <a:defRPr/>
               </a:pPr>
-              <a:t>18.12.2017</a:t>
+              <a:t>20.12.2017</a:t>
             </a:fld>
             <a:endParaRPr lang="de-DE"/>
           </a:p>
@@ -1373,6 +1374,74 @@
     <p:extLst>
       <p:ext uri="{BB962C8B-B14F-4D97-AF65-F5344CB8AC3E}">
         <p14:creationId xmlns:p14="http://schemas.microsoft.com/office/powerpoint/2010/main" val="265550325"/>
+      </p:ext>
+    </p:extLst>
+  </p:cSld>
+  <p:clrMapOvr>
+    <a:masterClrMapping/>
+  </p:clrMapOvr>
+</p:notes>
+</file>
+
+<file path=ppt/notesSlides/notesSlide6.xml><?xml version="1.0" encoding="utf-8"?>
+<p:notes xmlns:a="http://schemas.openxmlformats.org/drawingml/2006/main" xmlns:r="http://schemas.openxmlformats.org/officeDocument/2006/relationships" xmlns:p="http://schemas.openxmlformats.org/presentationml/2006/main">
+  <p:cSld>
+    <p:spTree>
+      <p:nvGrpSpPr>
+        <p:cNvPr id="1" name=""/>
+        <p:cNvGrpSpPr/>
+        <p:nvPr/>
+      </p:nvGrpSpPr>
+      <p:grpSpPr>
+        <a:xfrm>
+          <a:off x="0" y="0"/>
+          <a:ext cx="0" cy="0"/>
+          <a:chOff x="0" y="0"/>
+          <a:chExt cx="0" cy="0"/>
+        </a:xfrm>
+      </p:grpSpPr>
+      <p:sp>
+        <p:nvSpPr>
+          <p:cNvPr id="99330" name="Rectangle 2"/>
+          <p:cNvSpPr>
+            <a:spLocks noGrp="1" noRot="1" noChangeAspect="1" noChangeArrowheads="1" noTextEdit="1"/>
+          </p:cNvSpPr>
+          <p:nvPr>
+            <p:ph type="sldImg"/>
+          </p:nvPr>
+        </p:nvSpPr>
+        <p:spPr>
+          <a:ln/>
+        </p:spPr>
+      </p:sp>
+      <p:sp>
+        <p:nvSpPr>
+          <p:cNvPr id="99331" name="Rectangle 3"/>
+          <p:cNvSpPr>
+            <a:spLocks noGrp="1" noChangeArrowheads="1"/>
+          </p:cNvSpPr>
+          <p:nvPr>
+            <p:ph type="body" idx="1"/>
+          </p:nvPr>
+        </p:nvSpPr>
+        <p:spPr>
+          <a:noFill/>
+        </p:spPr>
+        <p:txBody>
+          <a:bodyPr/>
+          <a:lstStyle/>
+          <a:p>
+            <a:endParaRPr lang="de-CH">
+              <a:latin typeface="Times New Roman" pitchFamily="18" charset="0"/>
+              <a:ea typeface="ＭＳ Ｐゴシック" pitchFamily="34" charset="-128"/>
+            </a:endParaRPr>
+          </a:p>
+        </p:txBody>
+      </p:sp>
+    </p:spTree>
+    <p:extLst>
+      <p:ext uri="{BB962C8B-B14F-4D97-AF65-F5344CB8AC3E}">
+        <p14:creationId xmlns:p14="http://schemas.microsoft.com/office/powerpoint/2010/main" val="2638342467"/>
       </p:ext>
     </p:extLst>
   </p:cSld>
@@ -6661,27 +6730,7 @@
                 <a:latin typeface="Arial"/>
                 <a:ea typeface="ＭＳ Ｐゴシック"/>
               </a:rPr>
-              <a:t>Kick Off (Code </a:t>
-            </a:r>
-            <a:r>
-              <a:rPr lang="de-DE" sz="2200" kern="0" dirty="0" err="1">
-                <a:solidFill>
-                  <a:srgbClr val="333333"/>
-                </a:solidFill>
-                <a:latin typeface="Arial"/>
-                <a:ea typeface="ＭＳ Ｐゴシック"/>
-              </a:rPr>
-              <a:t>hard</a:t>
-            </a:r>
-            <a:r>
-              <a:rPr lang="de-DE" sz="2200" kern="0" dirty="0">
-                <a:solidFill>
-                  <a:srgbClr val="333333"/>
-                </a:solidFill>
-                <a:latin typeface="Arial"/>
-                <a:ea typeface="ＭＳ Ｐゴシック"/>
-              </a:rPr>
-              <a:t>)</a:t>
+              <a:t>Kick Off</a:t>
             </a:r>
           </a:p>
           <a:p>
@@ -6872,7 +6921,7 @@
           </a:effectLst>
           <a:extLst>
             <a:ext uri="{53640926-AAD7-44d8-BBD7-CCE9431645EC}">
-              <a14:shadowObscured xmlns:lc="http://schemas.openxmlformats.org/drawingml/2006/lockedCanvas" xmlns:a14="http://schemas.microsoft.com/office/drawing/2010/main" xmlns:pic="http://schemas.openxmlformats.org/drawingml/2006/picture" xmlns:wps="http://schemas.microsoft.com/office/word/2010/wordprocessingShape" xmlns:wne="http://schemas.microsoft.com/office/word/2006/wordml" xmlns:wpi="http://schemas.microsoft.com/office/word/2010/wordprocessingInk" xmlns:wpg="http://schemas.microsoft.com/office/word/2010/wordprocessingGroup" xmlns:w14="http://schemas.microsoft.com/office/word/2010/wordml" xmlns:w="http://schemas.openxmlformats.org/wordprocessingml/2006/main" xmlns:w10="urn:schemas-microsoft-com:office:word" xmlns:wp="http://schemas.openxmlformats.org/drawingml/2006/wordprocessingDrawing" xmlns:wp14="http://schemas.microsoft.com/office/word/2010/wordprocessingDrawing" xmlns:v="urn:schemas-microsoft-com:vml" xmlns:m="http://schemas.openxmlformats.org/officeDocument/2006/math" xmlns:o="urn:schemas-microsoft-com:office:office" xmlns:mv="urn:schemas-microsoft-com:mac:vml" xmlns:mc="http://schemas.openxmlformats.org/markup-compatibility/2006" xmlns:mo="http://schemas.microsoft.com/office/mac/office/2008/main" xmlns:wpc="http://schemas.microsoft.com/office/word/2010/wordprocessingCanvas" xmlns=""/>
+              <a14:shadowObscured xmlns="" xmlns:wpc="http://schemas.microsoft.com/office/word/2010/wordprocessingCanvas" xmlns:mo="http://schemas.microsoft.com/office/mac/office/2008/main" xmlns:mc="http://schemas.openxmlformats.org/markup-compatibility/2006" xmlns:mv="urn:schemas-microsoft-com:mac:vml" xmlns:o="urn:schemas-microsoft-com:office:office" xmlns:m="http://schemas.openxmlformats.org/officeDocument/2006/math" xmlns:v="urn:schemas-microsoft-com:vml" xmlns:wp14="http://schemas.microsoft.com/office/word/2010/wordprocessingDrawing" xmlns:wp="http://schemas.openxmlformats.org/drawingml/2006/wordprocessingDrawing" xmlns:w10="urn:schemas-microsoft-com:office:word" xmlns:w="http://schemas.openxmlformats.org/wordprocessingml/2006/main" xmlns:w14="http://schemas.microsoft.com/office/word/2010/wordml" xmlns:wpg="http://schemas.microsoft.com/office/word/2010/wordprocessingGroup" xmlns:wpi="http://schemas.microsoft.com/office/word/2010/wordprocessingInk" xmlns:wne="http://schemas.microsoft.com/office/word/2006/wordml" xmlns:wps="http://schemas.microsoft.com/office/word/2010/wordprocessingShape" xmlns:pic="http://schemas.openxmlformats.org/drawingml/2006/picture" xmlns:a14="http://schemas.microsoft.com/office/drawing/2010/main" xmlns:lc="http://schemas.openxmlformats.org/drawingml/2006/lockedCanvas"/>
             </a:ext>
           </a:extLst>
         </p:spPr>
@@ -8570,6 +8619,241 @@
     <p:extLst>
       <p:ext uri="{BB962C8B-B14F-4D97-AF65-F5344CB8AC3E}">
         <p14:creationId xmlns:p14="http://schemas.microsoft.com/office/powerpoint/2010/main" val="1865543300"/>
+      </p:ext>
+    </p:extLst>
+  </p:cSld>
+  <p:clrMapOvr>
+    <a:masterClrMapping/>
+  </p:clrMapOvr>
+</p:sld>
+</file>
+
+<file path=ppt/slides/slide6.xml><?xml version="1.0" encoding="utf-8"?>
+<p:sld xmlns:a="http://schemas.openxmlformats.org/drawingml/2006/main" xmlns:r="http://schemas.openxmlformats.org/officeDocument/2006/relationships" xmlns:p="http://schemas.openxmlformats.org/presentationml/2006/main">
+  <p:cSld>
+    <p:spTree>
+      <p:nvGrpSpPr>
+        <p:cNvPr id="1" name=""/>
+        <p:cNvGrpSpPr/>
+        <p:nvPr/>
+      </p:nvGrpSpPr>
+      <p:grpSpPr>
+        <a:xfrm>
+          <a:off x="0" y="0"/>
+          <a:ext cx="0" cy="0"/>
+          <a:chOff x="0" y="0"/>
+          <a:chExt cx="0" cy="0"/>
+        </a:xfrm>
+      </p:grpSpPr>
+      <p:sp>
+        <p:nvSpPr>
+          <p:cNvPr id="47105" name="Titel 1"/>
+          <p:cNvSpPr>
+            <a:spLocks noGrp="1"/>
+          </p:cNvSpPr>
+          <p:nvPr>
+            <p:ph type="title"/>
+          </p:nvPr>
+        </p:nvSpPr>
+        <p:spPr>
+          <a:xfrm>
+            <a:off x="323850" y="633413"/>
+            <a:ext cx="6618288" cy="1139825"/>
+          </a:xfrm>
+        </p:spPr>
+        <p:txBody>
+          <a:bodyPr/>
+          <a:lstStyle/>
+          <a:p>
+            <a:pPr eaLnBrk="1" hangingPunct="1"/>
+            <a:r>
+              <a:rPr lang="de-DE" dirty="0"/>
+              <a:t>Demo</a:t>
+            </a:r>
+          </a:p>
+        </p:txBody>
+      </p:sp>
+      <p:sp>
+        <p:nvSpPr>
+          <p:cNvPr id="47106" name="Datumsplatzhalter 2"/>
+          <p:cNvSpPr>
+            <a:spLocks noGrp="1"/>
+          </p:cNvSpPr>
+          <p:nvPr>
+            <p:ph type="dt" sz="quarter" idx="10"/>
+          </p:nvPr>
+        </p:nvSpPr>
+        <p:spPr>
+          <a:noFill/>
+          <a:ln>
+            <a:miter lim="800000"/>
+            <a:headEnd/>
+            <a:tailEnd/>
+          </a:ln>
+        </p:spPr>
+        <p:txBody>
+          <a:bodyPr/>
+          <a:lstStyle/>
+          <a:p>
+            <a:r>
+              <a:rPr lang="de-DE" dirty="0">
+                <a:latin typeface="Arial" charset="0"/>
+                <a:ea typeface="ＭＳ Ｐゴシック" pitchFamily="34" charset="-128"/>
+                <a:cs typeface="Arial" charset="0"/>
+              </a:rPr>
+              <a:t>Mi, 20.12.2017</a:t>
+            </a:r>
+            <a:endParaRPr lang="de-CH" dirty="0">
+              <a:latin typeface="Arial" charset="0"/>
+              <a:ea typeface="ＭＳ Ｐゴシック" pitchFamily="34" charset="-128"/>
+              <a:cs typeface="Arial" charset="0"/>
+            </a:endParaRPr>
+          </a:p>
+        </p:txBody>
+      </p:sp>
+      <p:sp>
+        <p:nvSpPr>
+          <p:cNvPr id="47107" name="Fußzeilenplatzhalter 3"/>
+          <p:cNvSpPr>
+            <a:spLocks noGrp="1"/>
+          </p:cNvSpPr>
+          <p:nvPr>
+            <p:ph type="ftr" sz="quarter" idx="11"/>
+          </p:nvPr>
+        </p:nvSpPr>
+        <p:spPr>
+          <a:noFill/>
+          <a:ln>
+            <a:miter lim="800000"/>
+            <a:headEnd/>
+            <a:tailEnd/>
+          </a:ln>
+        </p:spPr>
+        <p:txBody>
+          <a:bodyPr/>
+          <a:lstStyle/>
+          <a:p>
+            <a:r>
+              <a:rPr lang="de-CH" dirty="0" err="1">
+                <a:latin typeface="Arial" charset="0"/>
+                <a:ea typeface="ＭＳ Ｐゴシック" pitchFamily="34" charset="-128"/>
+                <a:cs typeface="Arial" charset="0"/>
+              </a:rPr>
+              <a:t>Introduction</a:t>
+            </a:r>
+            <a:r>
+              <a:rPr lang="de-CH" dirty="0">
+                <a:latin typeface="Arial" charset="0"/>
+                <a:ea typeface="ＭＳ Ｐゴシック" pitchFamily="34" charset="-128"/>
+                <a:cs typeface="Arial" charset="0"/>
+              </a:rPr>
+              <a:t> </a:t>
+            </a:r>
+            <a:r>
+              <a:rPr lang="de-CH" dirty="0" err="1">
+                <a:latin typeface="Arial" charset="0"/>
+                <a:ea typeface="ＭＳ Ｐゴシック" pitchFamily="34" charset="-128"/>
+                <a:cs typeface="Arial" charset="0"/>
+              </a:rPr>
+              <a:t>to</a:t>
+            </a:r>
+            <a:r>
+              <a:rPr lang="de-CH" dirty="0">
+                <a:latin typeface="Arial" charset="0"/>
+                <a:ea typeface="ＭＳ Ｐゴシック" pitchFamily="34" charset="-128"/>
+                <a:cs typeface="Arial" charset="0"/>
+              </a:rPr>
+              <a:t> Software Engineering</a:t>
+            </a:r>
+          </a:p>
+        </p:txBody>
+      </p:sp>
+      <p:sp>
+        <p:nvSpPr>
+          <p:cNvPr id="47108" name="Foliennummernplatzhalter 4"/>
+          <p:cNvSpPr>
+            <a:spLocks noGrp="1"/>
+          </p:cNvSpPr>
+          <p:nvPr>
+            <p:ph type="sldNum" sz="quarter" idx="12"/>
+          </p:nvPr>
+        </p:nvSpPr>
+        <p:spPr>
+          <a:noFill/>
+          <a:ln>
+            <a:miter lim="800000"/>
+            <a:headEnd/>
+            <a:tailEnd/>
+          </a:ln>
+        </p:spPr>
+        <p:txBody>
+          <a:bodyPr/>
+          <a:lstStyle/>
+          <a:p>
+            <a:fld id="{66597A3C-3962-40AE-8648-9F1EFE6C569E}" type="slidenum">
+              <a:rPr lang="de-CH" smtClean="0">
+                <a:latin typeface="Times New Roman" pitchFamily="18" charset="0"/>
+                <a:ea typeface="ＭＳ Ｐゴシック" pitchFamily="34" charset="-128"/>
+              </a:rPr>
+              <a:pPr/>
+              <a:t>6</a:t>
+            </a:fld>
+            <a:endParaRPr lang="de-CH">
+              <a:latin typeface="Times New Roman" pitchFamily="18" charset="0"/>
+              <a:ea typeface="ＭＳ Ｐゴシック" pitchFamily="34" charset="-128"/>
+            </a:endParaRPr>
+          </a:p>
+        </p:txBody>
+      </p:sp>
+      <p:pic>
+        <p:nvPicPr>
+          <p:cNvPr id="8" name="Bild 9">
+            <a:hlinkClick r:id="rId3"/>
+            <a:extLst>
+              <a:ext uri="{FF2B5EF4-FFF2-40B4-BE49-F238E27FC236}">
+                <a16:creationId xmlns:a16="http://schemas.microsoft.com/office/drawing/2014/main" id="{92F1F2B8-E683-4CD6-988A-142D953E8364}"/>
+              </a:ext>
+            </a:extLst>
+          </p:cNvPr>
+          <p:cNvPicPr/>
+          <p:nvPr/>
+        </p:nvPicPr>
+        <p:blipFill>
+          <a:blip r:embed="rId4">
+            <a:extLst>
+              <a:ext uri="{28A0092B-C50C-407E-A947-70E740481C1C}">
+                <a14:useLocalDpi xmlns:a14="http://schemas.microsoft.com/office/drawing/2010/main" val="0"/>
+              </a:ext>
+            </a:extLst>
+          </a:blip>
+          <a:stretch>
+            <a:fillRect/>
+          </a:stretch>
+        </p:blipFill>
+        <p:spPr>
+          <a:xfrm>
+            <a:off x="1043608" y="1844824"/>
+            <a:ext cx="5766956" cy="4279900"/>
+          </a:xfrm>
+          <a:prstGeom prst="rect">
+            <a:avLst/>
+          </a:prstGeom>
+          <a:ln>
+            <a:noFill/>
+          </a:ln>
+          <a:effectLst>
+            <a:outerShdw blurRad="292100" dist="139700" dir="2700000" algn="tl" rotWithShape="0">
+              <a:srgbClr val="333333">
+                <a:alpha val="65000"/>
+              </a:srgbClr>
+            </a:outerShdw>
+          </a:effectLst>
+        </p:spPr>
+      </p:pic>
+    </p:spTree>
+    <p:extLst>
+      <p:ext uri="{BB962C8B-B14F-4D97-AF65-F5344CB8AC3E}">
+        <p14:creationId xmlns:p14="http://schemas.microsoft.com/office/powerpoint/2010/main" val="3796871027"/>
       </p:ext>
     </p:extLst>
   </p:cSld>
@@ -8825,7 +9109,7 @@
         <a:effectLst/>
         <a:extLst>
           <a:ext uri="{AF507438-7753-43e0-B8FC-AC1667EBCBE1}">
-            <a14:hiddenEffects xmlns:a14="http://schemas.microsoft.com/office/drawing/2010/main" xmlns="">
+            <a14:hiddenEffects xmlns="" xmlns:a14="http://schemas.microsoft.com/office/drawing/2010/main">
               <a:effectLst>
                 <a:outerShdw blurRad="63500" dist="38099" dir="2700000" algn="ctr" rotWithShape="0">
                   <a:schemeClr val="bg2">
@@ -8904,7 +9188,7 @@
         <a:effectLst/>
         <a:extLst>
           <a:ext uri="{AF507438-7753-43e0-B8FC-AC1667EBCBE1}">
-            <a14:hiddenEffects xmlns:a14="http://schemas.microsoft.com/office/drawing/2010/main" xmlns="">
+            <a14:hiddenEffects xmlns="" xmlns:a14="http://schemas.microsoft.com/office/drawing/2010/main">
               <a:effectLst>
                 <a:outerShdw blurRad="63500" dist="38099" dir="2700000" algn="ctr" rotWithShape="0">
                   <a:schemeClr val="bg2">
